--- a/ECOM.pptx
+++ b/ECOM.pptx
@@ -355,7 +355,7 @@
             <a:fld id="{1D8BD707-D9CF-40AE-B4C6-C98DA3205C09}" type="datetimeFigureOut">
               <a:rPr lang="en-US" smtClean="0"/>
               <a:pPr/>
-              <a:t>5/22/2024</a:t>
+              <a:t>5/23/2024</a:t>
             </a:fld>
             <a:endParaRPr lang="en-US"/>
           </a:p>
@@ -520,7 +520,7 @@
             <a:fld id="{1D8BD707-D9CF-40AE-B4C6-C98DA3205C09}" type="datetimeFigureOut">
               <a:rPr lang="en-US" smtClean="0"/>
               <a:pPr/>
-              <a:t>5/22/2024</a:t>
+              <a:t>5/23/2024</a:t>
             </a:fld>
             <a:endParaRPr lang="en-US"/>
           </a:p>
@@ -695,7 +695,7 @@
             <a:fld id="{1D8BD707-D9CF-40AE-B4C6-C98DA3205C09}" type="datetimeFigureOut">
               <a:rPr lang="en-US" smtClean="0"/>
               <a:pPr/>
-              <a:t>5/22/2024</a:t>
+              <a:t>5/23/2024</a:t>
             </a:fld>
             <a:endParaRPr lang="en-US"/>
           </a:p>
@@ -860,7 +860,7 @@
             <a:fld id="{1D8BD707-D9CF-40AE-B4C6-C98DA3205C09}" type="datetimeFigureOut">
               <a:rPr lang="en-US" smtClean="0"/>
               <a:pPr/>
-              <a:t>5/22/2024</a:t>
+              <a:t>5/23/2024</a:t>
             </a:fld>
             <a:endParaRPr lang="en-US"/>
           </a:p>
@@ -1102,7 +1102,7 @@
             <a:fld id="{1D8BD707-D9CF-40AE-B4C6-C98DA3205C09}" type="datetimeFigureOut">
               <a:rPr lang="en-US" smtClean="0"/>
               <a:pPr/>
-              <a:t>5/22/2024</a:t>
+              <a:t>5/23/2024</a:t>
             </a:fld>
             <a:endParaRPr lang="en-US"/>
           </a:p>
@@ -1384,7 +1384,7 @@
             <a:fld id="{1D8BD707-D9CF-40AE-B4C6-C98DA3205C09}" type="datetimeFigureOut">
               <a:rPr lang="en-US" smtClean="0"/>
               <a:pPr/>
-              <a:t>5/22/2024</a:t>
+              <a:t>5/23/2024</a:t>
             </a:fld>
             <a:endParaRPr lang="en-US"/>
           </a:p>
@@ -1800,7 +1800,7 @@
             <a:fld id="{1D8BD707-D9CF-40AE-B4C6-C98DA3205C09}" type="datetimeFigureOut">
               <a:rPr lang="en-US" smtClean="0"/>
               <a:pPr/>
-              <a:t>5/22/2024</a:t>
+              <a:t>5/23/2024</a:t>
             </a:fld>
             <a:endParaRPr lang="en-US"/>
           </a:p>
@@ -1914,7 +1914,7 @@
             <a:fld id="{1D8BD707-D9CF-40AE-B4C6-C98DA3205C09}" type="datetimeFigureOut">
               <a:rPr lang="en-US" smtClean="0"/>
               <a:pPr/>
-              <a:t>5/22/2024</a:t>
+              <a:t>5/23/2024</a:t>
             </a:fld>
             <a:endParaRPr lang="en-US"/>
           </a:p>
@@ -2006,7 +2006,7 @@
             <a:fld id="{1D8BD707-D9CF-40AE-B4C6-C98DA3205C09}" type="datetimeFigureOut">
               <a:rPr lang="en-US" smtClean="0"/>
               <a:pPr/>
-              <a:t>5/22/2024</a:t>
+              <a:t>5/23/2024</a:t>
             </a:fld>
             <a:endParaRPr lang="en-US"/>
           </a:p>
@@ -2278,7 +2278,7 @@
             <a:fld id="{1D8BD707-D9CF-40AE-B4C6-C98DA3205C09}" type="datetimeFigureOut">
               <a:rPr lang="en-US" smtClean="0"/>
               <a:pPr/>
-              <a:t>5/22/2024</a:t>
+              <a:t>5/23/2024</a:t>
             </a:fld>
             <a:endParaRPr lang="en-US"/>
           </a:p>
@@ -2527,7 +2527,7 @@
             <a:fld id="{1D8BD707-D9CF-40AE-B4C6-C98DA3205C09}" type="datetimeFigureOut">
               <a:rPr lang="en-US" smtClean="0"/>
               <a:pPr/>
-              <a:t>5/22/2024</a:t>
+              <a:t>5/23/2024</a:t>
             </a:fld>
             <a:endParaRPr lang="en-US"/>
           </a:p>
@@ -2735,7 +2735,7 @@
             <a:fld id="{1D8BD707-D9CF-40AE-B4C6-C98DA3205C09}" type="datetimeFigureOut">
               <a:rPr lang="en-US" smtClean="0"/>
               <a:pPr/>
-              <a:t>5/22/2024</a:t>
+              <a:t>5/23/2024</a:t>
             </a:fld>
             <a:endParaRPr lang="en-US"/>
           </a:p>
@@ -18135,14 +18135,14 @@
         <p:spPr>
           <a:xfrm>
             <a:off x="6122308" y="4795899"/>
-            <a:ext cx="3601861" cy="2684072"/>
+            <a:ext cx="3783692" cy="2675220"/>
           </a:xfrm>
           <a:prstGeom prst="rect">
             <a:avLst/>
           </a:prstGeom>
         </p:spPr>
         <p:txBody>
-          <a:bodyPr lIns="0" tIns="0" rIns="0" bIns="0" rtlCol="0" anchor="t">
+          <a:bodyPr wrap="square" lIns="0" tIns="0" rIns="0" bIns="0" rtlCol="0" anchor="t">
             <a:spAutoFit/>
           </a:bodyPr>
           <a:lstStyle/>
@@ -18155,7 +18155,7 @@
               <a:buChar char="•"/>
             </a:pPr>
             <a:r>
-              <a:rPr lang="en-US" sz="3820">
+              <a:rPr lang="en-US" sz="3820" dirty="0">
                 <a:solidFill>
                   <a:srgbClr val="000000"/>
                 </a:solidFill>
@@ -18173,7 +18173,7 @@
               <a:buChar char="•"/>
             </a:pPr>
             <a:r>
-              <a:rPr lang="en-US" sz="3820">
+              <a:rPr lang="en-US" sz="3820" dirty="0">
                 <a:solidFill>
                   <a:srgbClr val="000000"/>
                 </a:solidFill>
@@ -18191,7 +18191,7 @@
               <a:buChar char="•"/>
             </a:pPr>
             <a:r>
-              <a:rPr lang="en-US" sz="3820">
+              <a:rPr lang="en-US" sz="3820" dirty="0">
                 <a:solidFill>
                   <a:srgbClr val="000000"/>
                 </a:solidFill>
@@ -18209,7 +18209,7 @@
               <a:buChar char="•"/>
             </a:pPr>
             <a:r>
-              <a:rPr lang="en-US" sz="3820">
+              <a:rPr lang="en-US" sz="3820" dirty="0">
                 <a:solidFill>
                   <a:srgbClr val="000000"/>
                 </a:solidFill>
